--- a/Slides.pptx
+++ b/Slides.pptx
@@ -5,7 +5,7 @@
     <p:sldMasterId id="2147483759" r:id="rId1"/>
   </p:sldMasterIdLst>
   <p:notesMasterIdLst>
-    <p:notesMasterId r:id="rId15"/>
+    <p:notesMasterId r:id="rId16"/>
   </p:notesMasterIdLst>
   <p:sldIdLst>
     <p:sldId id="256" r:id="rId2"/>
@@ -20,7 +20,8 @@
     <p:sldId id="4313" r:id="rId11"/>
     <p:sldId id="4318" r:id="rId12"/>
     <p:sldId id="4314" r:id="rId13"/>
-    <p:sldId id="4317" r:id="rId14"/>
+    <p:sldId id="4322" r:id="rId14"/>
+    <p:sldId id="4317" r:id="rId15"/>
   </p:sldIdLst>
   <p:sldSz cx="12192000" cy="6858000"/>
   <p:notesSz cx="6858000" cy="9144000"/>
@@ -209,7 +210,7 @@
           <a:p>
             <a:fld id="{6A72283C-F8B5-442C-82CB-4BB5581D7DF0}" type="datetimeFigureOut">
               <a:rPr lang="en-US" smtClean="0"/>
-              <a:t>26/5/2020</a:t>
+              <a:t>27/5/2020</a:t>
             </a:fld>
             <a:endParaRPr lang="en-US"/>
           </a:p>
@@ -791,7 +792,7 @@
           <a:p>
             <a:fld id="{386CE63F-9E7F-4C04-9D0D-FCA25A8E9E86}" type="datetime8">
               <a:rPr lang="en-US" smtClean="0"/>
-              <a:t>26/5/2020 9:43 PM</a:t>
+              <a:t>27/5/2020 3:34 PM</a:t>
             </a:fld>
             <a:endParaRPr lang="en-US"/>
           </a:p>
@@ -959,7 +960,7 @@
           <a:p>
             <a:fld id="{386CE63F-9E7F-4C04-9D0D-FCA25A8E9E86}" type="datetime8">
               <a:rPr lang="en-US" smtClean="0"/>
-              <a:t>26/5/2020 9:43 PM</a:t>
+              <a:t>27/5/2020 3:34 PM</a:t>
             </a:fld>
             <a:endParaRPr lang="en-US"/>
           </a:p>
@@ -1533,7 +1534,7 @@
           <a:p>
             <a:fld id="{48A87A34-81AB-432B-8DAE-1953F412C126}" type="datetimeFigureOut">
               <a:rPr lang="en-US" smtClean="0"/>
-              <a:t>26/5/2020</a:t>
+              <a:t>27/5/2020</a:t>
             </a:fld>
             <a:endParaRPr lang="en-US" dirty="0"/>
           </a:p>
@@ -1857,7 +1858,7 @@
           <a:p>
             <a:fld id="{48A87A34-81AB-432B-8DAE-1953F412C126}" type="datetimeFigureOut">
               <a:rPr lang="en-US" smtClean="0"/>
-              <a:t>26/5/2020</a:t>
+              <a:t>27/5/2020</a:t>
             </a:fld>
             <a:endParaRPr lang="en-US" dirty="0"/>
           </a:p>
@@ -2106,7 +2107,7 @@
             <a:fld id="{48A87A34-81AB-432B-8DAE-1953F412C126}" type="datetimeFigureOut">
               <a:rPr lang="en-US" smtClean="0"/>
               <a:pPr/>
-              <a:t>26/5/2020</a:t>
+              <a:t>27/5/2020</a:t>
             </a:fld>
             <a:endParaRPr lang="en-US" dirty="0"/>
           </a:p>
@@ -2447,7 +2448,7 @@
             <a:fld id="{48A87A34-81AB-432B-8DAE-1953F412C126}" type="datetimeFigureOut">
               <a:rPr lang="en-US" smtClean="0"/>
               <a:pPr/>
-              <a:t>26/5/2020</a:t>
+              <a:t>27/5/2020</a:t>
             </a:fld>
             <a:endParaRPr lang="en-US" dirty="0"/>
           </a:p>
@@ -2796,7 +2797,7 @@
             <a:fld id="{48A87A34-81AB-432B-8DAE-1953F412C126}" type="datetimeFigureOut">
               <a:rPr lang="en-US" smtClean="0"/>
               <a:pPr/>
-              <a:t>26/5/2020</a:t>
+              <a:t>27/5/2020</a:t>
             </a:fld>
             <a:endParaRPr lang="en-US" dirty="0"/>
           </a:p>
@@ -3172,7 +3173,7 @@
             <a:fld id="{48A87A34-81AB-432B-8DAE-1953F412C126}" type="datetimeFigureOut">
               <a:rPr lang="en-US" smtClean="0"/>
               <a:pPr/>
-              <a:t>26/5/2020</a:t>
+              <a:t>27/5/2020</a:t>
             </a:fld>
             <a:endParaRPr lang="en-US" dirty="0"/>
           </a:p>
@@ -3644,7 +3645,7 @@
             <a:fld id="{48A87A34-81AB-432B-8DAE-1953F412C126}" type="datetimeFigureOut">
               <a:rPr lang="en-US" smtClean="0"/>
               <a:pPr/>
-              <a:t>26/5/2020</a:t>
+              <a:t>27/5/2020</a:t>
             </a:fld>
             <a:endParaRPr lang="en-US" dirty="0"/>
           </a:p>
@@ -3850,7 +3851,7 @@
           <a:p>
             <a:fld id="{48A87A34-81AB-432B-8DAE-1953F412C126}" type="datetimeFigureOut">
               <a:rPr lang="en-US" smtClean="0"/>
-              <a:t>26/5/2020</a:t>
+              <a:t>27/5/2020</a:t>
             </a:fld>
             <a:endParaRPr lang="en-US" dirty="0"/>
           </a:p>
@@ -4062,7 +4063,7 @@
             <a:fld id="{48A87A34-81AB-432B-8DAE-1953F412C126}" type="datetimeFigureOut">
               <a:rPr lang="en-US" smtClean="0"/>
               <a:pPr/>
-              <a:t>26/5/2020</a:t>
+              <a:t>27/5/2020</a:t>
             </a:fld>
             <a:endParaRPr lang="en-US" dirty="0"/>
           </a:p>
@@ -4294,7 +4295,7 @@
           <a:p>
             <a:fld id="{48A87A34-81AB-432B-8DAE-1953F412C126}" type="datetimeFigureOut">
               <a:rPr lang="en-US" smtClean="0"/>
-              <a:t>26/5/2020</a:t>
+              <a:t>27/5/2020</a:t>
             </a:fld>
             <a:endParaRPr lang="en-US" dirty="0"/>
           </a:p>
@@ -4543,7 +4544,7 @@
             <a:fld id="{48A87A34-81AB-432B-8DAE-1953F412C126}" type="datetimeFigureOut">
               <a:rPr lang="en-US" smtClean="0"/>
               <a:pPr/>
-              <a:t>26/5/2020</a:t>
+              <a:t>27/5/2020</a:t>
             </a:fld>
             <a:endParaRPr lang="en-US" dirty="0"/>
           </a:p>
@@ -4810,7 +4811,7 @@
           <a:p>
             <a:fld id="{48A87A34-81AB-432B-8DAE-1953F412C126}" type="datetimeFigureOut">
               <a:rPr lang="en-US" smtClean="0"/>
-              <a:t>26/5/2020</a:t>
+              <a:t>27/5/2020</a:t>
             </a:fld>
             <a:endParaRPr lang="en-US" dirty="0"/>
           </a:p>
@@ -5223,7 +5224,7 @@
           <a:p>
             <a:fld id="{48A87A34-81AB-432B-8DAE-1953F412C126}" type="datetimeFigureOut">
               <a:rPr lang="en-US" smtClean="0"/>
-              <a:t>26/5/2020</a:t>
+              <a:t>27/5/2020</a:t>
             </a:fld>
             <a:endParaRPr lang="en-US" dirty="0"/>
           </a:p>
@@ -5372,7 +5373,7 @@
           <a:p>
             <a:fld id="{48A87A34-81AB-432B-8DAE-1953F412C126}" type="datetimeFigureOut">
               <a:rPr lang="en-US" smtClean="0"/>
-              <a:t>26/5/2020</a:t>
+              <a:t>27/5/2020</a:t>
             </a:fld>
             <a:endParaRPr lang="en-US" dirty="0"/>
           </a:p>
@@ -5498,7 +5499,7 @@
           <a:p>
             <a:fld id="{48A87A34-81AB-432B-8DAE-1953F412C126}" type="datetimeFigureOut">
               <a:rPr lang="en-US" smtClean="0"/>
-              <a:t>26/5/2020</a:t>
+              <a:t>27/5/2020</a:t>
             </a:fld>
             <a:endParaRPr lang="en-US" dirty="0"/>
           </a:p>
@@ -5753,7 +5754,7 @@
           <a:p>
             <a:fld id="{48A87A34-81AB-432B-8DAE-1953F412C126}" type="datetimeFigureOut">
               <a:rPr lang="en-US" smtClean="0"/>
-              <a:t>26/5/2020</a:t>
+              <a:t>27/5/2020</a:t>
             </a:fld>
             <a:endParaRPr lang="en-US" dirty="0"/>
           </a:p>
@@ -6068,7 +6069,7 @@
           <a:p>
             <a:fld id="{48A87A34-81AB-432B-8DAE-1953F412C126}" type="datetimeFigureOut">
               <a:rPr lang="en-US" smtClean="0"/>
-              <a:t>26/5/2020</a:t>
+              <a:t>27/5/2020</a:t>
             </a:fld>
             <a:endParaRPr lang="en-US" dirty="0"/>
           </a:p>
@@ -6420,7 +6421,7 @@
             <a:fld id="{48A87A34-81AB-432B-8DAE-1953F412C126}" type="datetimeFigureOut">
               <a:rPr lang="en-US" smtClean="0"/>
               <a:pPr/>
-              <a:t>26/5/2020</a:t>
+              <a:t>27/5/2020</a:t>
             </a:fld>
             <a:endParaRPr lang="en-US" dirty="0"/>
           </a:p>
@@ -7262,15 +7263,7 @@
             </a:r>
             <a:r>
               <a:rPr lang="en-US" i="1" dirty="0"/>
-              <a:t>(push, </a:t>
-            </a:r>
-            <a:r>
-              <a:rPr lang="en-US" i="1" dirty="0" err="1"/>
-              <a:t>pr</a:t>
-            </a:r>
-            <a:r>
-              <a:rPr lang="en-US" i="1" dirty="0"/>
-              <a:t>, release, tag)</a:t>
+              <a:t>(push, PR, release, tag)</a:t>
             </a:r>
           </a:p>
           <a:p>
@@ -7282,19 +7275,25 @@
           <a:p>
             <a:r>
               <a:rPr lang="en-US" dirty="0"/>
+              <a:t>Any language, any toolchain, any runtime, anything</a:t>
+            </a:r>
+          </a:p>
+          <a:p>
+            <a:r>
+              <a:rPr lang="en-US" dirty="0"/>
               <a:t>Build matrix for simultaneous executing with different variables</a:t>
-            </a:r>
-          </a:p>
-          <a:p>
-            <a:r>
-              <a:rPr lang="en-US" dirty="0"/>
-              <a:t>Any language, any toolchain, any runtime, anything</a:t>
             </a:r>
           </a:p>
           <a:p>
             <a:r>
               <a:rPr lang="en-US" dirty="0"/>
               <a:t>Variables, secrets, conditions, expressions</a:t>
+            </a:r>
+          </a:p>
+          <a:p>
+            <a:r>
+              <a:rPr lang="en-US" dirty="0"/>
+              <a:t>Not JUST building, but any automation (issues, PRs, labels)</a:t>
             </a:r>
           </a:p>
         </p:txBody>
@@ -8507,7 +8506,7 @@
               <a:rPr lang="en-US" dirty="0">
                 <a:hlinkClick r:id="rId2"/>
               </a:rPr>
-              <a:t>https://help.github.com/en/actions/reference/workflow-syntax-for-github-actions</a:t>
+              <a:t>https://help.github.com/actions/reference/workflow-syntax-for-github-actions</a:t>
             </a:r>
             <a:endParaRPr lang="en-US" dirty="0"/>
           </a:p>
@@ -8539,6 +8538,112 @@
 </file>
 
 <file path=ppt/slides/slide13.xml><?xml version="1.0" encoding="utf-8"?>
+<p:sld xmlns:a="http://schemas.openxmlformats.org/drawingml/2006/main" xmlns:r="http://schemas.openxmlformats.org/officeDocument/2006/relationships" xmlns:p="http://schemas.openxmlformats.org/presentationml/2006/main">
+  <p:cSld>
+    <p:spTree>
+      <p:nvGrpSpPr>
+        <p:cNvPr id="1" name=""/>
+        <p:cNvGrpSpPr/>
+        <p:nvPr/>
+      </p:nvGrpSpPr>
+      <p:grpSpPr>
+        <a:xfrm>
+          <a:off x="0" y="0"/>
+          <a:ext cx="0" cy="0"/>
+          <a:chOff x="0" y="0"/>
+          <a:chExt cx="0" cy="0"/>
+        </a:xfrm>
+      </p:grpSpPr>
+      <p:sp>
+        <p:nvSpPr>
+          <p:cNvPr id="5" name="Title 4">
+            <a:extLst>
+              <a:ext uri="{FF2B5EF4-FFF2-40B4-BE49-F238E27FC236}">
+                <a16:creationId xmlns:a16="http://schemas.microsoft.com/office/drawing/2014/main" id="{A68F7786-2269-43FB-90B4-8798312099F5}"/>
+              </a:ext>
+            </a:extLst>
+          </p:cNvPr>
+          <p:cNvSpPr>
+            <a:spLocks noGrp="1"/>
+          </p:cNvSpPr>
+          <p:nvPr>
+            <p:ph type="ctrTitle"/>
+          </p:nvPr>
+        </p:nvSpPr>
+        <p:spPr/>
+        <p:txBody>
+          <a:bodyPr/>
+          <a:lstStyle/>
+          <a:p>
+            <a:r>
+              <a:rPr lang="en-US" dirty="0"/>
+              <a:t>I came to see the code and other </a:t>
+            </a:r>
+            <a:r>
+              <a:rPr lang="en-US" dirty="0" err="1"/>
+              <a:t>clicky</a:t>
+            </a:r>
+            <a:r>
+              <a:rPr lang="en-US" dirty="0"/>
+              <a:t> things</a:t>
+            </a:r>
+          </a:p>
+        </p:txBody>
+      </p:sp>
+      <p:sp>
+        <p:nvSpPr>
+          <p:cNvPr id="9" name="Subtitle 8">
+            <a:extLst>
+              <a:ext uri="{FF2B5EF4-FFF2-40B4-BE49-F238E27FC236}">
+                <a16:creationId xmlns:a16="http://schemas.microsoft.com/office/drawing/2014/main" id="{360C1FCE-FFF0-4EB3-8126-C6313DE1AFBC}"/>
+              </a:ext>
+            </a:extLst>
+          </p:cNvPr>
+          <p:cNvSpPr>
+            <a:spLocks noGrp="1"/>
+          </p:cNvSpPr>
+          <p:nvPr>
+            <p:ph type="subTitle" idx="1"/>
+          </p:nvPr>
+        </p:nvSpPr>
+        <p:spPr/>
+        <p:txBody>
+          <a:bodyPr/>
+          <a:lstStyle/>
+          <a:p>
+            <a:r>
+              <a:rPr lang="en-US" dirty="0"/>
+              <a:t>Let me just switch to my editor…</a:t>
+            </a:r>
+          </a:p>
+        </p:txBody>
+      </p:sp>
+    </p:spTree>
+    <p:extLst>
+      <p:ext uri="{BB962C8B-B14F-4D97-AF65-F5344CB8AC3E}">
+        <p14:creationId xmlns:p14="http://schemas.microsoft.com/office/powerpoint/2010/main" val="2175902886"/>
+      </p:ext>
+    </p:extLst>
+  </p:cSld>
+  <p:clrMapOvr>
+    <a:masterClrMapping/>
+  </p:clrMapOvr>
+  <mc:AlternateContent xmlns:mc="http://schemas.openxmlformats.org/markup-compatibility/2006" xmlns:p14="http://schemas.microsoft.com/office/powerpoint/2010/main">
+    <mc:Choice Requires="p14">
+      <p:transition spd="med" p14:dur="700">
+        <p:fade/>
+      </p:transition>
+    </mc:Choice>
+    <mc:Fallback xmlns="">
+      <p:transition spd="med">
+        <p:fade/>
+      </p:transition>
+    </mc:Fallback>
+  </mc:AlternateContent>
+</p:sld>
+</file>
+
+<file path=ppt/slides/slide14.xml><?xml version="1.0" encoding="utf-8"?>
 <p:sld xmlns:a="http://schemas.openxmlformats.org/drawingml/2006/main" xmlns:r="http://schemas.openxmlformats.org/officeDocument/2006/relationships" xmlns:p="http://schemas.openxmlformats.org/presentationml/2006/main">
   <p:cSld>
     <p:spTree>
